--- a/b_tree_final.pptx
+++ b/b_tree_final.pptx
@@ -228,7 +228,7 @@
           <a:p>
             <a:fld id="{77D36C68-DDAB-4D09-8E72-8E937BD7768C}" type="datetimeFigureOut">
               <a:rPr lang="ru-RU" smtClean="0"/>
-              <a:t>09.06.2024</a:t>
+              <a:t>20.06.2024</a:t>
             </a:fld>
             <a:endParaRPr lang="ru-RU"/>
           </a:p>
@@ -2317,7 +2317,7 @@
           <a:p>
             <a:fld id="{0CD2006A-6BE7-43E8-8AD6-C09FC266B36F}" type="datetime1">
               <a:rPr lang="ru-RU" smtClean="0"/>
-              <a:t>09.06.2024</a:t>
+              <a:t>20.06.2024</a:t>
             </a:fld>
             <a:endParaRPr lang="ru-RU"/>
           </a:p>
@@ -2487,7 +2487,7 @@
           <a:p>
             <a:fld id="{DCFD85EE-4AB9-42CD-8126-E74FE77A9ED8}" type="datetime1">
               <a:rPr lang="ru-RU" smtClean="0"/>
-              <a:t>09.06.2024</a:t>
+              <a:t>20.06.2024</a:t>
             </a:fld>
             <a:endParaRPr lang="ru-RU"/>
           </a:p>
@@ -2667,7 +2667,7 @@
           <a:p>
             <a:fld id="{560B916C-83BE-4CC1-8A21-D05CD30C43DB}" type="datetime1">
               <a:rPr lang="ru-RU" smtClean="0"/>
-              <a:t>09.06.2024</a:t>
+              <a:t>20.06.2024</a:t>
             </a:fld>
             <a:endParaRPr lang="ru-RU"/>
           </a:p>
@@ -2837,7 +2837,7 @@
           <a:p>
             <a:fld id="{D2E13183-B2A1-4784-80CE-65A33D52CB0B}" type="datetime1">
               <a:rPr lang="ru-RU" smtClean="0"/>
-              <a:t>09.06.2024</a:t>
+              <a:t>20.06.2024</a:t>
             </a:fld>
             <a:endParaRPr lang="ru-RU"/>
           </a:p>
@@ -3083,7 +3083,7 @@
           <a:p>
             <a:fld id="{DEA388E9-D2C3-4436-BFEE-5F0C2E0896FE}" type="datetime1">
               <a:rPr lang="ru-RU" smtClean="0"/>
-              <a:t>09.06.2024</a:t>
+              <a:t>20.06.2024</a:t>
             </a:fld>
             <a:endParaRPr lang="ru-RU"/>
           </a:p>
@@ -3315,7 +3315,7 @@
           <a:p>
             <a:fld id="{13A15BC7-66CE-44BA-84C4-ADF5D358A8E5}" type="datetime1">
               <a:rPr lang="ru-RU" smtClean="0"/>
-              <a:t>09.06.2024</a:t>
+              <a:t>20.06.2024</a:t>
             </a:fld>
             <a:endParaRPr lang="ru-RU"/>
           </a:p>
@@ -3682,7 +3682,7 @@
           <a:p>
             <a:fld id="{8C55F641-8A7B-48BB-9924-29525D09D843}" type="datetime1">
               <a:rPr lang="ru-RU" smtClean="0"/>
-              <a:t>09.06.2024</a:t>
+              <a:t>20.06.2024</a:t>
             </a:fld>
             <a:endParaRPr lang="ru-RU"/>
           </a:p>
@@ -3800,7 +3800,7 @@
           <a:p>
             <a:fld id="{28C4CC1A-CDB1-4CBC-83A8-3EB958439194}" type="datetime1">
               <a:rPr lang="ru-RU" smtClean="0"/>
-              <a:t>09.06.2024</a:t>
+              <a:t>20.06.2024</a:t>
             </a:fld>
             <a:endParaRPr lang="ru-RU"/>
           </a:p>
@@ -3895,7 +3895,7 @@
           <a:p>
             <a:fld id="{DCA5C5F1-78C0-4305-B0EC-8CEF047F6C93}" type="datetime1">
               <a:rPr lang="ru-RU" smtClean="0"/>
-              <a:t>09.06.2024</a:t>
+              <a:t>20.06.2024</a:t>
             </a:fld>
             <a:endParaRPr lang="ru-RU"/>
           </a:p>
@@ -4172,7 +4172,7 @@
           <a:p>
             <a:fld id="{8FF670FB-17C0-4434-90C8-A4668EF13565}" type="datetime1">
               <a:rPr lang="ru-RU" smtClean="0"/>
-              <a:t>09.06.2024</a:t>
+              <a:t>20.06.2024</a:t>
             </a:fld>
             <a:endParaRPr lang="ru-RU"/>
           </a:p>
@@ -4429,7 +4429,7 @@
           <a:p>
             <a:fld id="{5FA5D1FD-3FC4-47EA-B2EB-FF46800F6009}" type="datetime1">
               <a:rPr lang="ru-RU" smtClean="0"/>
-              <a:t>09.06.2024</a:t>
+              <a:t>20.06.2024</a:t>
             </a:fld>
             <a:endParaRPr lang="ru-RU"/>
           </a:p>
@@ -4642,7 +4642,7 @@
           <a:p>
             <a:fld id="{6C109404-ED28-47FE-9DC5-C6BCEA110D1D}" type="datetime1">
               <a:rPr lang="ru-RU" smtClean="0"/>
-              <a:t>09.06.2024</a:t>
+              <a:t>20.06.2024</a:t>
             </a:fld>
             <a:endParaRPr lang="ru-RU"/>
           </a:p>
@@ -5156,8 +5156,23 @@
                 </a:solidFill>
                 <a:latin typeface="Elektra Text Pro" panose="02000503030000020004" pitchFamily="50" charset="-52"/>
               </a:rPr>
-              <a:t>Студент группы 6216</a:t>
+              <a:t>Студент группы 6212-100503</a:t>
             </a:r>
+            <a:r>
+              <a:rPr lang="en-US" sz="1400" dirty="0">
+                <a:solidFill>
+                  <a:schemeClr val="bg1"/>
+                </a:solidFill>
+                <a:latin typeface="Elektra Text Pro" panose="02000503030000020004" pitchFamily="50" charset="-52"/>
+              </a:rPr>
+              <a:t>D</a:t>
+            </a:r>
+            <a:endParaRPr lang="ru-RU" sz="1400" dirty="0">
+              <a:solidFill>
+                <a:schemeClr val="bg1"/>
+              </a:solidFill>
+              <a:latin typeface="Elektra Text Pro" panose="02000503030000020004" pitchFamily="50" charset="-52"/>
+            </a:endParaRPr>
           </a:p>
           <a:p>
             <a:pPr algn="ctr"/>
@@ -5939,7 +5954,7 @@
               </a:r>
               <a:r>
                 <a:rPr lang="ru-RU" dirty="0"/>
-                <a:t>   31   35</a:t>
+                <a:t>   31 </a:t>
               </a:r>
             </a:p>
           </p:txBody>
@@ -6621,7 +6636,7 @@
         </p:nvCxnSpPr>
         <p:spPr>
           <a:xfrm>
-            <a:off x="10443639" y="3905055"/>
+            <a:off x="10628574" y="3901583"/>
             <a:ext cx="0" cy="281838"/>
           </a:xfrm>
           <a:prstGeom prst="line">
@@ -6659,7 +6674,7 @@
         </p:nvCxnSpPr>
         <p:spPr>
           <a:xfrm>
-            <a:off x="11138958" y="3905055"/>
+            <a:off x="11498553" y="3911122"/>
             <a:ext cx="0" cy="281838"/>
           </a:xfrm>
           <a:prstGeom prst="line">
@@ -6697,7 +6712,7 @@
         </p:nvCxnSpPr>
         <p:spPr>
           <a:xfrm>
-            <a:off x="10805583" y="3911654"/>
+            <a:off x="11044719" y="3883685"/>
             <a:ext cx="0" cy="281838"/>
           </a:xfrm>
           <a:prstGeom prst="line">
@@ -7126,44 +7141,6 @@
             <a:schemeClr val="dk1"/>
           </a:fillRef>
           <a:effectRef idx="2">
-            <a:schemeClr val="dk1"/>
-          </a:effectRef>
-          <a:fontRef idx="minor">
-            <a:schemeClr val="tx1"/>
-          </a:fontRef>
-        </p:style>
-      </p:cxnSp>
-      <p:cxnSp>
-        <p:nvCxnSpPr>
-          <p:cNvPr id="52" name="Прямая соединительная линия 51">
-            <a:extLst>
-              <a:ext uri="{FF2B5EF4-FFF2-40B4-BE49-F238E27FC236}">
-                <a16:creationId xmlns:a16="http://schemas.microsoft.com/office/drawing/2014/main" id="{390A9456-3174-4F90-B35D-97C3839194D1}"/>
-              </a:ext>
-            </a:extLst>
-          </p:cNvPr>
-          <p:cNvCxnSpPr>
-            <a:cxnSpLocks/>
-          </p:cNvCxnSpPr>
-          <p:nvPr/>
-        </p:nvCxnSpPr>
-        <p:spPr>
-          <a:xfrm>
-            <a:off x="11548533" y="3905055"/>
-            <a:ext cx="0" cy="281838"/>
-          </a:xfrm>
-          <a:prstGeom prst="line">
-            <a:avLst/>
-          </a:prstGeom>
-        </p:spPr>
-        <p:style>
-          <a:lnRef idx="1">
-            <a:schemeClr val="dk1"/>
-          </a:lnRef>
-          <a:fillRef idx="0">
-            <a:schemeClr val="dk1"/>
-          </a:fillRef>
-          <a:effectRef idx="0">
             <a:schemeClr val="dk1"/>
           </a:effectRef>
           <a:fontRef idx="minor">
@@ -8419,7 +8396,7 @@
               </a:r>
               <a:r>
                 <a:rPr lang="ru-RU" dirty="0"/>
-                <a:t>   31   35</a:t>
+                <a:t>   31</a:t>
               </a:r>
             </a:p>
           </p:txBody>
@@ -9101,7 +9078,7 @@
         </p:nvCxnSpPr>
         <p:spPr>
           <a:xfrm>
-            <a:off x="10443639" y="3905055"/>
+            <a:off x="10546381" y="3890161"/>
             <a:ext cx="0" cy="281838"/>
           </a:xfrm>
           <a:prstGeom prst="line">
@@ -9139,7 +9116,7 @@
         </p:nvCxnSpPr>
         <p:spPr>
           <a:xfrm>
-            <a:off x="11138958" y="3905055"/>
+            <a:off x="11519101" y="3929436"/>
             <a:ext cx="0" cy="281838"/>
           </a:xfrm>
           <a:prstGeom prst="line">
@@ -9177,7 +9154,7 @@
         </p:nvCxnSpPr>
         <p:spPr>
           <a:xfrm>
-            <a:off x="10805583" y="3911654"/>
+            <a:off x="11000792" y="3911122"/>
             <a:ext cx="0" cy="281838"/>
           </a:xfrm>
           <a:prstGeom prst="line">
@@ -9606,44 +9583,6 @@
             <a:schemeClr val="dk1"/>
           </a:fillRef>
           <a:effectRef idx="2">
-            <a:schemeClr val="dk1"/>
-          </a:effectRef>
-          <a:fontRef idx="minor">
-            <a:schemeClr val="tx1"/>
-          </a:fontRef>
-        </p:style>
-      </p:cxnSp>
-      <p:cxnSp>
-        <p:nvCxnSpPr>
-          <p:cNvPr id="52" name="Прямая соединительная линия 51">
-            <a:extLst>
-              <a:ext uri="{FF2B5EF4-FFF2-40B4-BE49-F238E27FC236}">
-                <a16:creationId xmlns:a16="http://schemas.microsoft.com/office/drawing/2014/main" id="{26FCCF47-E570-432D-A3C7-B5869A9E6E5B}"/>
-              </a:ext>
-            </a:extLst>
-          </p:cNvPr>
-          <p:cNvCxnSpPr>
-            <a:cxnSpLocks/>
-          </p:cNvCxnSpPr>
-          <p:nvPr/>
-        </p:nvCxnSpPr>
-        <p:spPr>
-          <a:xfrm>
-            <a:off x="11548533" y="3905055"/>
-            <a:ext cx="0" cy="281838"/>
-          </a:xfrm>
-          <a:prstGeom prst="line">
-            <a:avLst/>
-          </a:prstGeom>
-        </p:spPr>
-        <p:style>
-          <a:lnRef idx="1">
-            <a:schemeClr val="dk1"/>
-          </a:lnRef>
-          <a:fillRef idx="0">
-            <a:schemeClr val="dk1"/>
-          </a:fillRef>
-          <a:effectRef idx="0">
             <a:schemeClr val="dk1"/>
           </a:effectRef>
           <a:fontRef idx="minor">
@@ -10818,7 +10757,7 @@
               </a:r>
               <a:r>
                 <a:rPr lang="ru-RU" dirty="0"/>
-                <a:t>   31   35</a:t>
+                <a:t>   31 </a:t>
               </a:r>
             </a:p>
           </p:txBody>
@@ -11348,7 +11287,7 @@
         </p:nvCxnSpPr>
         <p:spPr>
           <a:xfrm>
-            <a:off x="10443639" y="3905055"/>
+            <a:off x="10525832" y="3929436"/>
             <a:ext cx="0" cy="281838"/>
           </a:xfrm>
           <a:prstGeom prst="line">
@@ -11386,7 +11325,7 @@
         </p:nvCxnSpPr>
         <p:spPr>
           <a:xfrm>
-            <a:off x="11138958" y="3905055"/>
+            <a:off x="11508827" y="3901583"/>
             <a:ext cx="0" cy="281838"/>
           </a:xfrm>
           <a:prstGeom prst="line">
@@ -11424,7 +11363,7 @@
         </p:nvCxnSpPr>
         <p:spPr>
           <a:xfrm>
-            <a:off x="10805583" y="3911654"/>
+            <a:off x="11021340" y="3911122"/>
             <a:ext cx="0" cy="281838"/>
           </a:xfrm>
           <a:prstGeom prst="line">
@@ -11773,44 +11712,6 @@
             <a:schemeClr val="dk1"/>
           </a:fillRef>
           <a:effectRef idx="2">
-            <a:schemeClr val="dk1"/>
-          </a:effectRef>
-          <a:fontRef idx="minor">
-            <a:schemeClr val="tx1"/>
-          </a:fontRef>
-        </p:style>
-      </p:cxnSp>
-      <p:cxnSp>
-        <p:nvCxnSpPr>
-          <p:cNvPr id="46" name="Прямая соединительная линия 45">
-            <a:extLst>
-              <a:ext uri="{FF2B5EF4-FFF2-40B4-BE49-F238E27FC236}">
-                <a16:creationId xmlns:a16="http://schemas.microsoft.com/office/drawing/2014/main" id="{5D023299-3F6A-456C-B2DC-A3804450102F}"/>
-              </a:ext>
-            </a:extLst>
-          </p:cNvPr>
-          <p:cNvCxnSpPr>
-            <a:cxnSpLocks/>
-          </p:cNvCxnSpPr>
-          <p:nvPr/>
-        </p:nvCxnSpPr>
-        <p:spPr>
-          <a:xfrm>
-            <a:off x="11548533" y="3905055"/>
-            <a:ext cx="0" cy="281838"/>
-          </a:xfrm>
-          <a:prstGeom prst="line">
-            <a:avLst/>
-          </a:prstGeom>
-        </p:spPr>
-        <p:style>
-          <a:lnRef idx="1">
-            <a:schemeClr val="dk1"/>
-          </a:lnRef>
-          <a:fillRef idx="0">
-            <a:schemeClr val="dk1"/>
-          </a:fillRef>
-          <a:effectRef idx="0">
             <a:schemeClr val="dk1"/>
           </a:effectRef>
           <a:fontRef idx="minor">
@@ -12924,7 +12825,7 @@
               </a:r>
               <a:r>
                 <a:rPr lang="ru-RU" dirty="0"/>
-                <a:t>   31   35</a:t>
+                <a:t>   31 </a:t>
               </a:r>
             </a:p>
           </p:txBody>
@@ -13454,7 +13355,7 @@
         </p:nvCxnSpPr>
         <p:spPr>
           <a:xfrm>
-            <a:off x="10443639" y="3905055"/>
+            <a:off x="10515558" y="3901583"/>
             <a:ext cx="0" cy="281838"/>
           </a:xfrm>
           <a:prstGeom prst="line">
@@ -13492,7 +13393,7 @@
         </p:nvCxnSpPr>
         <p:spPr>
           <a:xfrm>
-            <a:off x="11138958" y="3905055"/>
+            <a:off x="11457457" y="3920839"/>
             <a:ext cx="0" cy="281838"/>
           </a:xfrm>
           <a:prstGeom prst="line">
@@ -13530,7 +13431,7 @@
         </p:nvCxnSpPr>
         <p:spPr>
           <a:xfrm>
-            <a:off x="10805583" y="3911654"/>
+            <a:off x="10986558" y="3911122"/>
             <a:ext cx="0" cy="281838"/>
           </a:xfrm>
           <a:prstGeom prst="line">
@@ -13879,44 +13780,6 @@
             <a:schemeClr val="dk1"/>
           </a:fillRef>
           <a:effectRef idx="2">
-            <a:schemeClr val="dk1"/>
-          </a:effectRef>
-          <a:fontRef idx="minor">
-            <a:schemeClr val="tx1"/>
-          </a:fontRef>
-        </p:style>
-      </p:cxnSp>
-      <p:cxnSp>
-        <p:nvCxnSpPr>
-          <p:cNvPr id="46" name="Прямая соединительная линия 45">
-            <a:extLst>
-              <a:ext uri="{FF2B5EF4-FFF2-40B4-BE49-F238E27FC236}">
-                <a16:creationId xmlns:a16="http://schemas.microsoft.com/office/drawing/2014/main" id="{6B6AC70C-5DA5-4512-A9FB-46E3B655AC62}"/>
-              </a:ext>
-            </a:extLst>
-          </p:cNvPr>
-          <p:cNvCxnSpPr>
-            <a:cxnSpLocks/>
-          </p:cNvCxnSpPr>
-          <p:nvPr/>
-        </p:nvCxnSpPr>
-        <p:spPr>
-          <a:xfrm>
-            <a:off x="11548533" y="3905055"/>
-            <a:ext cx="0" cy="281838"/>
-          </a:xfrm>
-          <a:prstGeom prst="line">
-            <a:avLst/>
-          </a:prstGeom>
-        </p:spPr>
-        <p:style>
-          <a:lnRef idx="1">
-            <a:schemeClr val="dk1"/>
-          </a:lnRef>
-          <a:fillRef idx="0">
-            <a:schemeClr val="dk1"/>
-          </a:fillRef>
-          <a:effectRef idx="0">
             <a:schemeClr val="dk1"/>
           </a:effectRef>
           <a:fontRef idx="minor">
@@ -14992,7 +14855,7 @@
               </a:r>
               <a:r>
                 <a:rPr lang="ru-RU" dirty="0"/>
-                <a:t>   31   35</a:t>
+                <a:t>   31</a:t>
               </a:r>
             </a:p>
           </p:txBody>
@@ -15484,7 +15347,7 @@
         </p:nvCxnSpPr>
         <p:spPr>
           <a:xfrm>
-            <a:off x="10443639" y="3905055"/>
+            <a:off x="10546381" y="3901583"/>
             <a:ext cx="0" cy="281838"/>
           </a:xfrm>
           <a:prstGeom prst="line">
@@ -15522,7 +15385,7 @@
         </p:nvCxnSpPr>
         <p:spPr>
           <a:xfrm>
-            <a:off x="11138958" y="3905055"/>
+            <a:off x="11478005" y="3911122"/>
             <a:ext cx="0" cy="281838"/>
           </a:xfrm>
           <a:prstGeom prst="line">
@@ -15560,7 +15423,7 @@
         </p:nvCxnSpPr>
         <p:spPr>
           <a:xfrm>
-            <a:off x="10805583" y="3911654"/>
+            <a:off x="11041889" y="3929436"/>
             <a:ext cx="0" cy="281838"/>
           </a:xfrm>
           <a:prstGeom prst="line">
@@ -15909,44 +15772,6 @@
             <a:schemeClr val="dk1"/>
           </a:fillRef>
           <a:effectRef idx="2">
-            <a:schemeClr val="dk1"/>
-          </a:effectRef>
-          <a:fontRef idx="minor">
-            <a:schemeClr val="tx1"/>
-          </a:fontRef>
-        </p:style>
-      </p:cxnSp>
-      <p:cxnSp>
-        <p:nvCxnSpPr>
-          <p:cNvPr id="45" name="Прямая соединительная линия 44">
-            <a:extLst>
-              <a:ext uri="{FF2B5EF4-FFF2-40B4-BE49-F238E27FC236}">
-                <a16:creationId xmlns:a16="http://schemas.microsoft.com/office/drawing/2014/main" id="{A0DFB69C-0034-4FE4-BC2D-3695B3D2FC1F}"/>
-              </a:ext>
-            </a:extLst>
-          </p:cNvPr>
-          <p:cNvCxnSpPr>
-            <a:cxnSpLocks/>
-          </p:cNvCxnSpPr>
-          <p:nvPr/>
-        </p:nvCxnSpPr>
-        <p:spPr>
-          <a:xfrm>
-            <a:off x="11548533" y="3905055"/>
-            <a:ext cx="0" cy="281838"/>
-          </a:xfrm>
-          <a:prstGeom prst="line">
-            <a:avLst/>
-          </a:prstGeom>
-        </p:spPr>
-        <p:style>
-          <a:lnRef idx="1">
-            <a:schemeClr val="dk1"/>
-          </a:lnRef>
-          <a:fillRef idx="0">
-            <a:schemeClr val="dk1"/>
-          </a:fillRef>
-          <a:effectRef idx="0">
             <a:schemeClr val="dk1"/>
           </a:effectRef>
           <a:fontRef idx="minor">
@@ -16898,7 +16723,7 @@
               </a:r>
               <a:r>
                 <a:rPr lang="ru-RU" dirty="0"/>
-                <a:t>   31   35</a:t>
+                <a:t>   31 </a:t>
               </a:r>
             </a:p>
           </p:txBody>
@@ -17004,7 +16829,7 @@
         </p:nvCxnSpPr>
         <p:spPr>
           <a:xfrm>
-            <a:off x="9456995" y="3850817"/>
+            <a:off x="9528914" y="3850817"/>
             <a:ext cx="0" cy="281838"/>
           </a:xfrm>
           <a:prstGeom prst="line">
@@ -17042,7 +16867,7 @@
         </p:nvCxnSpPr>
         <p:spPr>
           <a:xfrm>
-            <a:off x="10152314" y="3850817"/>
+            <a:off x="10522184" y="3850817"/>
             <a:ext cx="0" cy="281838"/>
           </a:xfrm>
           <a:prstGeom prst="line">
@@ -17080,7 +16905,7 @@
         </p:nvCxnSpPr>
         <p:spPr>
           <a:xfrm>
-            <a:off x="9818939" y="3857416"/>
+            <a:off x="9999914" y="3850817"/>
             <a:ext cx="0" cy="281838"/>
           </a:xfrm>
           <a:prstGeom prst="line">
@@ -17222,44 +17047,6 @@
             <a:schemeClr val="dk1"/>
           </a:fillRef>
           <a:effectRef idx="2">
-            <a:schemeClr val="dk1"/>
-          </a:effectRef>
-          <a:fontRef idx="minor">
-            <a:schemeClr val="tx1"/>
-          </a:fontRef>
-        </p:style>
-      </p:cxnSp>
-      <p:cxnSp>
-        <p:nvCxnSpPr>
-          <p:cNvPr id="24" name="Прямая соединительная линия 23">
-            <a:extLst>
-              <a:ext uri="{FF2B5EF4-FFF2-40B4-BE49-F238E27FC236}">
-                <a16:creationId xmlns:a16="http://schemas.microsoft.com/office/drawing/2014/main" id="{A35E157A-7271-4DA8-B68A-1D9A57A3FD7E}"/>
-              </a:ext>
-            </a:extLst>
-          </p:cNvPr>
-          <p:cNvCxnSpPr>
-            <a:cxnSpLocks/>
-          </p:cNvCxnSpPr>
-          <p:nvPr/>
-        </p:nvCxnSpPr>
-        <p:spPr>
-          <a:xfrm>
-            <a:off x="10561889" y="3850817"/>
-            <a:ext cx="0" cy="281838"/>
-          </a:xfrm>
-          <a:prstGeom prst="line">
-            <a:avLst/>
-          </a:prstGeom>
-        </p:spPr>
-        <p:style>
-          <a:lnRef idx="1">
-            <a:schemeClr val="dk1"/>
-          </a:lnRef>
-          <a:fillRef idx="0">
-            <a:schemeClr val="dk1"/>
-          </a:fillRef>
-          <a:effectRef idx="0">
             <a:schemeClr val="dk1"/>
           </a:effectRef>
           <a:fontRef idx="minor">
@@ -18032,10 +17819,10 @@
       </p:sp>
       <p:pic>
         <p:nvPicPr>
-          <p:cNvPr id="7" name="Объект 6">
-            <a:extLst>
-              <a:ext uri="{FF2B5EF4-FFF2-40B4-BE49-F238E27FC236}">
-                <a16:creationId xmlns:a16="http://schemas.microsoft.com/office/drawing/2014/main" id="{4C4F3A87-6E61-436C-BD40-99CC993A6D59}"/>
+          <p:cNvPr id="8" name="Объект 7">
+            <a:extLst>
+              <a:ext uri="{FF2B5EF4-FFF2-40B4-BE49-F238E27FC236}">
+                <a16:creationId xmlns:a16="http://schemas.microsoft.com/office/drawing/2014/main" id="{E514695B-9DE2-4DB0-87A7-D50B0B7665EC}"/>
               </a:ext>
             </a:extLst>
           </p:cNvPr>
@@ -18063,8 +17850,8 @@
         </p:blipFill>
         <p:spPr>
           <a:xfrm>
-            <a:off x="606818" y="801384"/>
-            <a:ext cx="10351000" cy="5036532"/>
+            <a:off x="2002000" y="797718"/>
+            <a:ext cx="7442347" cy="5262563"/>
           </a:xfrm>
         </p:spPr>
       </p:pic>
@@ -18352,10 +18139,10 @@
       </p:sp>
       <p:pic>
         <p:nvPicPr>
-          <p:cNvPr id="7" name="Объект 6">
-            <a:extLst>
-              <a:ext uri="{FF2B5EF4-FFF2-40B4-BE49-F238E27FC236}">
-                <a16:creationId xmlns:a16="http://schemas.microsoft.com/office/drawing/2014/main" id="{001CB483-69AF-4458-9BD5-AA90580D9D91}"/>
+          <p:cNvPr id="8" name="Объект 7">
+            <a:extLst>
+              <a:ext uri="{FF2B5EF4-FFF2-40B4-BE49-F238E27FC236}">
+                <a16:creationId xmlns:a16="http://schemas.microsoft.com/office/drawing/2014/main" id="{3E14AA09-E23F-4DF6-BA55-FC353D75D504}"/>
               </a:ext>
             </a:extLst>
           </p:cNvPr>
@@ -18383,8 +18170,8 @@
         </p:blipFill>
         <p:spPr>
           <a:xfrm>
-            <a:off x="2320499" y="804248"/>
-            <a:ext cx="6991745" cy="5249503"/>
+            <a:off x="2280864" y="938730"/>
+            <a:ext cx="7113574" cy="5340974"/>
           </a:xfrm>
         </p:spPr>
       </p:pic>
@@ -25234,7 +25021,7 @@
         <p:spPr>
           <a:xfrm>
             <a:off x="1147281" y="4232794"/>
-            <a:ext cx="5108001" cy="369332"/>
+            <a:ext cx="6044412" cy="369332"/>
           </a:xfrm>
           <a:prstGeom prst="rect">
             <a:avLst/>
@@ -25249,7 +25036,7 @@
           <a:p>
             <a:r>
               <a:rPr lang="ru-RU" dirty="0"/>
-              <a:t>4) Вставили 5, перемещение элемента в род. узел</a:t>
+              <a:t>4) Вставили 5, перемещение среднего элемента в род. узел</a:t>
             </a:r>
           </a:p>
         </p:txBody>
@@ -25268,10 +25055,10 @@
         </p:nvGrpSpPr>
         <p:grpSpPr>
           <a:xfrm>
-            <a:off x="8161111" y="3868012"/>
-            <a:ext cx="1495425" cy="950642"/>
-            <a:chOff x="4610099" y="2390776"/>
-            <a:chExt cx="2238378" cy="1160461"/>
+            <a:off x="8161111" y="3652504"/>
+            <a:ext cx="1495425" cy="950641"/>
+            <a:chOff x="4610099" y="2390777"/>
+            <a:chExt cx="2238378" cy="1160460"/>
           </a:xfrm>
         </p:grpSpPr>
         <p:sp>
@@ -25288,7 +25075,7 @@
           </p:nvSpPr>
           <p:spPr>
             <a:xfrm>
-              <a:off x="4610102" y="2390776"/>
+              <a:off x="4610102" y="2390777"/>
               <a:ext cx="2238375" cy="590549"/>
             </a:xfrm>
             <a:prstGeom prst="rect">
@@ -25386,8 +25173,8 @@
         </p:nvCxnSpPr>
         <p:spPr>
           <a:xfrm flipH="1">
-            <a:off x="7213374" y="4585220"/>
-            <a:ext cx="947737" cy="448942"/>
+            <a:off x="7213374" y="4369711"/>
+            <a:ext cx="947737" cy="664451"/>
           </a:xfrm>
           <a:prstGeom prst="straightConnector1">
             <a:avLst/>
@@ -25429,8 +25216,8 @@
         </p:nvCxnSpPr>
         <p:spPr>
           <a:xfrm>
-            <a:off x="9656534" y="4585220"/>
-            <a:ext cx="947739" cy="457395"/>
+            <a:off x="9656534" y="4369711"/>
+            <a:ext cx="947739" cy="672904"/>
           </a:xfrm>
           <a:prstGeom prst="straightConnector1">
             <a:avLst/>
@@ -25524,7 +25311,7 @@
               </a:r>
               <a:r>
                 <a:rPr lang="ru-RU" dirty="0"/>
-                <a:t>     9    14</a:t>
+                <a:t>     9</a:t>
               </a:r>
               <a:endParaRPr lang="ru-RU" dirty="0">
                 <a:solidFill>
@@ -25709,7 +25496,7 @@
         </p:nvCxnSpPr>
         <p:spPr>
           <a:xfrm>
-            <a:off x="8632597" y="4351786"/>
+            <a:off x="8653146" y="4136277"/>
             <a:ext cx="0" cy="466868"/>
           </a:xfrm>
           <a:prstGeom prst="line">
@@ -25745,7 +25532,7 @@
         </p:nvCxnSpPr>
         <p:spPr>
           <a:xfrm>
-            <a:off x="6779984" y="5517937"/>
+            <a:off x="6941698" y="5517937"/>
             <a:ext cx="0" cy="466868"/>
           </a:xfrm>
           <a:prstGeom prst="line">
@@ -25781,7 +25568,7 @@
         </p:nvCxnSpPr>
         <p:spPr>
           <a:xfrm>
-            <a:off x="7213374" y="5517937"/>
+            <a:off x="7521599" y="5517937"/>
             <a:ext cx="0" cy="466868"/>
           </a:xfrm>
           <a:prstGeom prst="line">
@@ -25853,7 +25640,7 @@
         </p:nvCxnSpPr>
         <p:spPr>
           <a:xfrm>
-            <a:off x="9118372" y="4351786"/>
+            <a:off x="9118372" y="4118352"/>
             <a:ext cx="0" cy="466868"/>
           </a:xfrm>
           <a:prstGeom prst="line">
@@ -26499,12 +26286,126 @@
           </a:fontRef>
         </p:style>
       </p:cxnSp>
+      <p:grpSp>
+        <p:nvGrpSpPr>
+          <p:cNvPr id="39" name="Группа 38">
+            <a:extLst>
+              <a:ext uri="{FF2B5EF4-FFF2-40B4-BE49-F238E27FC236}">
+                <a16:creationId xmlns:a16="http://schemas.microsoft.com/office/drawing/2014/main" id="{7535DC36-BB48-47A4-8579-F26754A844B2}"/>
+              </a:ext>
+            </a:extLst>
+          </p:cNvPr>
+          <p:cNvGrpSpPr/>
+          <p:nvPr/>
+        </p:nvGrpSpPr>
+        <p:grpSpPr>
+          <a:xfrm>
+            <a:off x="8163627" y="5042615"/>
+            <a:ext cx="1495424" cy="950644"/>
+            <a:chOff x="4610099" y="2390774"/>
+            <a:chExt cx="2238376" cy="1160463"/>
+          </a:xfrm>
+        </p:grpSpPr>
+        <p:sp>
+          <p:nvSpPr>
+            <p:cNvPr id="40" name="Прямоугольник 39">
+              <a:extLst>
+                <a:ext uri="{FF2B5EF4-FFF2-40B4-BE49-F238E27FC236}">
+                  <a16:creationId xmlns:a16="http://schemas.microsoft.com/office/drawing/2014/main" id="{5C06AD53-ABBE-461E-AE28-F25EFE64F97E}"/>
+                </a:ext>
+              </a:extLst>
+            </p:cNvPr>
+            <p:cNvSpPr/>
+            <p:nvPr/>
+          </p:nvSpPr>
+          <p:spPr>
+            <a:xfrm>
+              <a:off x="4610100" y="2390774"/>
+              <a:ext cx="2238375" cy="590550"/>
+            </a:xfrm>
+            <a:prstGeom prst="rect">
+              <a:avLst/>
+            </a:prstGeom>
+          </p:spPr>
+          <p:style>
+            <a:lnRef idx="1">
+              <a:schemeClr val="accent3"/>
+            </a:lnRef>
+            <a:fillRef idx="2">
+              <a:schemeClr val="accent3"/>
+            </a:fillRef>
+            <a:effectRef idx="1">
+              <a:schemeClr val="accent3"/>
+            </a:effectRef>
+            <a:fontRef idx="minor">
+              <a:schemeClr val="dk1"/>
+            </a:fontRef>
+          </p:style>
+          <p:txBody>
+            <a:bodyPr rtlCol="0" anchor="ctr"/>
+            <a:lstStyle/>
+            <a:p>
+              <a:pPr algn="ctr"/>
+              <a:r>
+                <a:rPr lang="ru-RU" dirty="0"/>
+                <a:t>14</a:t>
+              </a:r>
+            </a:p>
+          </p:txBody>
+        </p:sp>
+        <p:sp>
+          <p:nvSpPr>
+            <p:cNvPr id="41" name="Прямоугольник 40">
+              <a:extLst>
+                <a:ext uri="{FF2B5EF4-FFF2-40B4-BE49-F238E27FC236}">
+                  <a16:creationId xmlns:a16="http://schemas.microsoft.com/office/drawing/2014/main" id="{DD8C6098-F427-45D1-BF13-A83BACCAD6EE}"/>
+                </a:ext>
+              </a:extLst>
+            </p:cNvPr>
+            <p:cNvSpPr/>
+            <p:nvPr/>
+          </p:nvSpPr>
+          <p:spPr>
+            <a:xfrm>
+              <a:off x="4610099" y="2981325"/>
+              <a:ext cx="2238375" cy="569912"/>
+            </a:xfrm>
+            <a:prstGeom prst="rect">
+              <a:avLst/>
+            </a:prstGeom>
+          </p:spPr>
+          <p:style>
+            <a:lnRef idx="2">
+              <a:schemeClr val="accent1">
+                <a:shade val="50000"/>
+              </a:schemeClr>
+            </a:lnRef>
+            <a:fillRef idx="1">
+              <a:schemeClr val="accent1"/>
+            </a:fillRef>
+            <a:effectRef idx="0">
+              <a:schemeClr val="accent1"/>
+            </a:effectRef>
+            <a:fontRef idx="minor">
+              <a:schemeClr val="lt1"/>
+            </a:fontRef>
+          </p:style>
+          <p:txBody>
+            <a:bodyPr rtlCol="0" anchor="ctr"/>
+            <a:lstStyle/>
+            <a:p>
+              <a:pPr algn="ctr"/>
+              <a:endParaRPr lang="ru-RU"/>
+            </a:p>
+          </p:txBody>
+        </p:sp>
+      </p:grpSp>
       <p:cxnSp>
         <p:nvCxnSpPr>
-          <p:cNvPr id="38" name="Прямая соединительная линия 37">
-            <a:extLst>
-              <a:ext uri="{FF2B5EF4-FFF2-40B4-BE49-F238E27FC236}">
-                <a16:creationId xmlns:a16="http://schemas.microsoft.com/office/drawing/2014/main" id="{EACE40D8-449F-4C74-92F3-5E944429E885}"/>
+          <p:cNvPr id="42" name="Прямая соединительная линия 41">
+            <a:extLst>
+              <a:ext uri="{FF2B5EF4-FFF2-40B4-BE49-F238E27FC236}">
+                <a16:creationId xmlns:a16="http://schemas.microsoft.com/office/drawing/2014/main" id="{DFD2E35F-1081-4232-A012-EB56E691EFA8}"/>
               </a:ext>
             </a:extLst>
           </p:cNvPr>
@@ -26513,7 +26414,7 @@
         </p:nvCxnSpPr>
         <p:spPr>
           <a:xfrm>
-            <a:off x="7611306" y="5517937"/>
+            <a:off x="8985019" y="5517937"/>
             <a:ext cx="0" cy="466868"/>
           </a:xfrm>
           <a:prstGeom prst="line">
@@ -26528,6 +26429,49 @@
             <a:schemeClr val="dk1"/>
           </a:fillRef>
           <a:effectRef idx="0">
+            <a:schemeClr val="dk1"/>
+          </a:effectRef>
+          <a:fontRef idx="minor">
+            <a:schemeClr val="tx1"/>
+          </a:fontRef>
+        </p:style>
+      </p:cxnSp>
+      <p:cxnSp>
+        <p:nvCxnSpPr>
+          <p:cNvPr id="43" name="Прямая со стрелкой 42">
+            <a:extLst>
+              <a:ext uri="{FF2B5EF4-FFF2-40B4-BE49-F238E27FC236}">
+                <a16:creationId xmlns:a16="http://schemas.microsoft.com/office/drawing/2014/main" id="{E6ABDFF0-ECDF-4970-B61C-6E9AE6BB73CC}"/>
+              </a:ext>
+            </a:extLst>
+          </p:cNvPr>
+          <p:cNvCxnSpPr>
+            <a:cxnSpLocks/>
+            <a:stCxn id="8" idx="2"/>
+            <a:endCxn id="40" idx="0"/>
+          </p:cNvCxnSpPr>
+          <p:nvPr/>
+        </p:nvCxnSpPr>
+        <p:spPr>
+          <a:xfrm>
+            <a:off x="8908823" y="4603145"/>
+            <a:ext cx="2517" cy="439470"/>
+          </a:xfrm>
+          <a:prstGeom prst="straightConnector1">
+            <a:avLst/>
+          </a:prstGeom>
+          <a:ln w="57150">
+            <a:tailEnd type="triangle"/>
+          </a:ln>
+        </p:spPr>
+        <p:style>
+          <a:lnRef idx="3">
+            <a:schemeClr val="dk1"/>
+          </a:lnRef>
+          <a:fillRef idx="0">
+            <a:schemeClr val="dk1"/>
+          </a:fillRef>
+          <a:effectRef idx="2">
             <a:schemeClr val="dk1"/>
           </a:effectRef>
           <a:fontRef idx="minor">
@@ -27333,7 +27277,7 @@
               </a:r>
               <a:r>
                 <a:rPr lang="ru-RU" dirty="0"/>
-                <a:t>   31   35</a:t>
+                <a:t>   31  </a:t>
               </a:r>
             </a:p>
           </p:txBody>
@@ -28095,7 +28039,7 @@
         </p:nvCxnSpPr>
         <p:spPr>
           <a:xfrm>
-            <a:off x="11226003" y="4264830"/>
+            <a:off x="11554776" y="4261358"/>
             <a:ext cx="0" cy="281838"/>
           </a:xfrm>
           <a:prstGeom prst="line">
@@ -28133,7 +28077,7 @@
         </p:nvCxnSpPr>
         <p:spPr>
           <a:xfrm>
-            <a:off x="10892628" y="4271429"/>
+            <a:off x="11087837" y="4289211"/>
             <a:ext cx="0" cy="281838"/>
           </a:xfrm>
           <a:prstGeom prst="line">
@@ -28562,44 +28506,6 @@
             <a:schemeClr val="dk1"/>
           </a:fillRef>
           <a:effectRef idx="2">
-            <a:schemeClr val="dk1"/>
-          </a:effectRef>
-          <a:fontRef idx="minor">
-            <a:schemeClr val="tx1"/>
-          </a:fontRef>
-        </p:style>
-      </p:cxnSp>
-      <p:cxnSp>
-        <p:nvCxnSpPr>
-          <p:cNvPr id="53" name="Прямая соединительная линия 52">
-            <a:extLst>
-              <a:ext uri="{FF2B5EF4-FFF2-40B4-BE49-F238E27FC236}">
-                <a16:creationId xmlns:a16="http://schemas.microsoft.com/office/drawing/2014/main" id="{AE98BB27-A2AB-4ED0-968C-37DBFEB8C932}"/>
-              </a:ext>
-            </a:extLst>
-          </p:cNvPr>
-          <p:cNvCxnSpPr>
-            <a:cxnSpLocks/>
-          </p:cNvCxnSpPr>
-          <p:nvPr/>
-        </p:nvCxnSpPr>
-        <p:spPr>
-          <a:xfrm>
-            <a:off x="11635578" y="4264830"/>
-            <a:ext cx="0" cy="281838"/>
-          </a:xfrm>
-          <a:prstGeom prst="line">
-            <a:avLst/>
-          </a:prstGeom>
-        </p:spPr>
-        <p:style>
-          <a:lnRef idx="1">
-            <a:schemeClr val="dk1"/>
-          </a:lnRef>
-          <a:fillRef idx="0">
-            <a:schemeClr val="dk1"/>
-          </a:fillRef>
-          <a:effectRef idx="0">
             <a:schemeClr val="dk1"/>
           </a:effectRef>
           <a:fontRef idx="minor">
